--- a/papers/graduation thesis/BIT-thesis-template-grd/figures/c3/pictures.pptx
+++ b/papers/graduation thesis/BIT-thesis-template-grd/figures/c3/pictures.pptx
@@ -5,12 +5,14 @@
     <p:sldMasterId id="2147483648" r:id="rId1"/>
   </p:sldMasterIdLst>
   <p:notesMasterIdLst>
-    <p:notesMasterId r:id="rId5"/>
+    <p:notesMasterId r:id="rId7"/>
   </p:notesMasterIdLst>
   <p:sldIdLst>
     <p:sldId id="258" r:id="rId2"/>
     <p:sldId id="256" r:id="rId3"/>
     <p:sldId id="257" r:id="rId4"/>
+    <p:sldId id="259" r:id="rId5"/>
+    <p:sldId id="260" r:id="rId6"/>
   </p:sldIdLst>
   <p:sldSz cx="12192000" cy="6858000"/>
   <p:notesSz cx="6858000" cy="9144000"/>
@@ -199,7 +201,7 @@
           <a:p>
             <a:fld id="{DFBD2350-0FC1-4CC8-9189-4554209681B9}" type="datetimeFigureOut">
               <a:rPr lang="zh-CN" altLang="en-US" smtClean="0"/>
-              <a:t>2020/3/15</a:t>
+              <a:t>2020/3/16</a:t>
             </a:fld>
             <a:endParaRPr lang="zh-CN" altLang="en-US"/>
           </a:p>
@@ -700,7 +702,7 @@
           <a:p>
             <a:fld id="{259E3DFB-078C-4AE7-9CA8-4F08B7C23DED}" type="datetimeFigureOut">
               <a:rPr lang="zh-CN" altLang="en-US" smtClean="0"/>
-              <a:t>2020/3/15</a:t>
+              <a:t>2020/3/16</a:t>
             </a:fld>
             <a:endParaRPr lang="zh-CN" altLang="en-US"/>
           </a:p>
@@ -898,7 +900,7 @@
           <a:p>
             <a:fld id="{259E3DFB-078C-4AE7-9CA8-4F08B7C23DED}" type="datetimeFigureOut">
               <a:rPr lang="zh-CN" altLang="en-US" smtClean="0"/>
-              <a:t>2020/3/15</a:t>
+              <a:t>2020/3/16</a:t>
             </a:fld>
             <a:endParaRPr lang="zh-CN" altLang="en-US"/>
           </a:p>
@@ -1106,7 +1108,7 @@
           <a:p>
             <a:fld id="{259E3DFB-078C-4AE7-9CA8-4F08B7C23DED}" type="datetimeFigureOut">
               <a:rPr lang="zh-CN" altLang="en-US" smtClean="0"/>
-              <a:t>2020/3/15</a:t>
+              <a:t>2020/3/16</a:t>
             </a:fld>
             <a:endParaRPr lang="zh-CN" altLang="en-US"/>
           </a:p>
@@ -1304,7 +1306,7 @@
           <a:p>
             <a:fld id="{259E3DFB-078C-4AE7-9CA8-4F08B7C23DED}" type="datetimeFigureOut">
               <a:rPr lang="zh-CN" altLang="en-US" smtClean="0"/>
-              <a:t>2020/3/15</a:t>
+              <a:t>2020/3/16</a:t>
             </a:fld>
             <a:endParaRPr lang="zh-CN" altLang="en-US"/>
           </a:p>
@@ -1579,7 +1581,7 @@
           <a:p>
             <a:fld id="{259E3DFB-078C-4AE7-9CA8-4F08B7C23DED}" type="datetimeFigureOut">
               <a:rPr lang="zh-CN" altLang="en-US" smtClean="0"/>
-              <a:t>2020/3/15</a:t>
+              <a:t>2020/3/16</a:t>
             </a:fld>
             <a:endParaRPr lang="zh-CN" altLang="en-US"/>
           </a:p>
@@ -1844,7 +1846,7 @@
           <a:p>
             <a:fld id="{259E3DFB-078C-4AE7-9CA8-4F08B7C23DED}" type="datetimeFigureOut">
               <a:rPr lang="zh-CN" altLang="en-US" smtClean="0"/>
-              <a:t>2020/3/15</a:t>
+              <a:t>2020/3/16</a:t>
             </a:fld>
             <a:endParaRPr lang="zh-CN" altLang="en-US"/>
           </a:p>
@@ -2256,7 +2258,7 @@
           <a:p>
             <a:fld id="{259E3DFB-078C-4AE7-9CA8-4F08B7C23DED}" type="datetimeFigureOut">
               <a:rPr lang="zh-CN" altLang="en-US" smtClean="0"/>
-              <a:t>2020/3/15</a:t>
+              <a:t>2020/3/16</a:t>
             </a:fld>
             <a:endParaRPr lang="zh-CN" altLang="en-US"/>
           </a:p>
@@ -2397,7 +2399,7 @@
           <a:p>
             <a:fld id="{259E3DFB-078C-4AE7-9CA8-4F08B7C23DED}" type="datetimeFigureOut">
               <a:rPr lang="zh-CN" altLang="en-US" smtClean="0"/>
-              <a:t>2020/3/15</a:t>
+              <a:t>2020/3/16</a:t>
             </a:fld>
             <a:endParaRPr lang="zh-CN" altLang="en-US"/>
           </a:p>
@@ -2510,7 +2512,7 @@
           <a:p>
             <a:fld id="{259E3DFB-078C-4AE7-9CA8-4F08B7C23DED}" type="datetimeFigureOut">
               <a:rPr lang="zh-CN" altLang="en-US" smtClean="0"/>
-              <a:t>2020/3/15</a:t>
+              <a:t>2020/3/16</a:t>
             </a:fld>
             <a:endParaRPr lang="zh-CN" altLang="en-US"/>
           </a:p>
@@ -2821,7 +2823,7 @@
           <a:p>
             <a:fld id="{259E3DFB-078C-4AE7-9CA8-4F08B7C23DED}" type="datetimeFigureOut">
               <a:rPr lang="zh-CN" altLang="en-US" smtClean="0"/>
-              <a:t>2020/3/15</a:t>
+              <a:t>2020/3/16</a:t>
             </a:fld>
             <a:endParaRPr lang="zh-CN" altLang="en-US"/>
           </a:p>
@@ -3109,7 +3111,7 @@
           <a:p>
             <a:fld id="{259E3DFB-078C-4AE7-9CA8-4F08B7C23DED}" type="datetimeFigureOut">
               <a:rPr lang="zh-CN" altLang="en-US" smtClean="0"/>
-              <a:t>2020/3/15</a:t>
+              <a:t>2020/3/16</a:t>
             </a:fld>
             <a:endParaRPr lang="zh-CN" altLang="en-US"/>
           </a:p>
@@ -3350,7 +3352,7 @@
           <a:p>
             <a:fld id="{259E3DFB-078C-4AE7-9CA8-4F08B7C23DED}" type="datetimeFigureOut">
               <a:rPr lang="zh-CN" altLang="en-US" smtClean="0"/>
-              <a:t>2020/3/15</a:t>
+              <a:t>2020/3/16</a:t>
             </a:fld>
             <a:endParaRPr lang="zh-CN" altLang="en-US"/>
           </a:p>
@@ -4368,7 +4370,7 @@
           <a:graphicData uri="http://schemas.openxmlformats.org/presentationml/2006/ole">
             <mc:AlternateContent xmlns:mc="http://schemas.openxmlformats.org/markup-compatibility/2006">
               <mc:Choice xmlns:v="urn:schemas-microsoft-com:vml" Requires="v">
-                <p:oleObj spid="_x0000_s6154" name="Equation" r:id="rId3" imgW="266400" imgH="190440" progId="Equation.DSMT4">
+                <p:oleObj spid="_x0000_s6175" name="Equation" r:id="rId3" imgW="266400" imgH="190440" progId="Equation.DSMT4">
                   <p:embed/>
                 </p:oleObj>
               </mc:Choice>
@@ -4431,7 +4433,7 @@
           <a:graphicData uri="http://schemas.openxmlformats.org/presentationml/2006/ole">
             <mc:AlternateContent xmlns:mc="http://schemas.openxmlformats.org/markup-compatibility/2006">
               <mc:Choice xmlns:v="urn:schemas-microsoft-com:vml" Requires="v">
-                <p:oleObj spid="_x0000_s6155" name="Equation" r:id="rId5" imgW="990360" imgH="279360" progId="Equation.DSMT4">
+                <p:oleObj spid="_x0000_s6176" name="Equation" r:id="rId5" imgW="990360" imgH="279360" progId="Equation.DSMT4">
                   <p:embed/>
                 </p:oleObj>
               </mc:Choice>
@@ -4623,7 +4625,7 @@
           <a:graphicData uri="http://schemas.openxmlformats.org/presentationml/2006/ole">
             <mc:AlternateContent xmlns:mc="http://schemas.openxmlformats.org/markup-compatibility/2006">
               <mc:Choice xmlns:v="urn:schemas-microsoft-com:vml" Requires="v">
-                <p:oleObj spid="_x0000_s6156" name="Equation" r:id="rId7" imgW="685800" imgH="279360" progId="Equation.DSMT4">
+                <p:oleObj spid="_x0000_s6177" name="Equation" r:id="rId7" imgW="685800" imgH="279360" progId="Equation.DSMT4">
                   <p:embed/>
                 </p:oleObj>
               </mc:Choice>
@@ -4686,7 +4688,7 @@
           <a:graphicData uri="http://schemas.openxmlformats.org/presentationml/2006/ole">
             <mc:AlternateContent xmlns:mc="http://schemas.openxmlformats.org/markup-compatibility/2006">
               <mc:Choice xmlns:v="urn:schemas-microsoft-com:vml" Requires="v">
-                <p:oleObj spid="_x0000_s6157" name="Equation" r:id="rId9" imgW="203040" imgH="203040" progId="Equation.DSMT4">
+                <p:oleObj spid="_x0000_s6178" name="Equation" r:id="rId9" imgW="203040" imgH="203040" progId="Equation.DSMT4">
                   <p:embed/>
                 </p:oleObj>
               </mc:Choice>
@@ -4749,7 +4751,7 @@
           <a:graphicData uri="http://schemas.openxmlformats.org/presentationml/2006/ole">
             <mc:AlternateContent xmlns:mc="http://schemas.openxmlformats.org/markup-compatibility/2006">
               <mc:Choice xmlns:v="urn:schemas-microsoft-com:vml" Requires="v">
-                <p:oleObj spid="_x0000_s6158" name="Equation" r:id="rId11" imgW="164880" imgH="203040" progId="Equation.DSMT4">
+                <p:oleObj spid="_x0000_s6179" name="Equation" r:id="rId11" imgW="164880" imgH="203040" progId="Equation.DSMT4">
                   <p:embed/>
                 </p:oleObj>
               </mc:Choice>
@@ -4812,7 +4814,7 @@
           <a:graphicData uri="http://schemas.openxmlformats.org/presentationml/2006/ole">
             <mc:AlternateContent xmlns:mc="http://schemas.openxmlformats.org/markup-compatibility/2006">
               <mc:Choice xmlns:v="urn:schemas-microsoft-com:vml" Requires="v">
-                <p:oleObj spid="_x0000_s6159" name="Equation" r:id="rId13" imgW="583920" imgH="253800" progId="Equation.DSMT4">
+                <p:oleObj spid="_x0000_s6180" name="Equation" r:id="rId13" imgW="583920" imgH="253800" progId="Equation.DSMT4">
                   <p:embed/>
                 </p:oleObj>
               </mc:Choice>
@@ -4875,7 +4877,7 @@
           <a:graphicData uri="http://schemas.openxmlformats.org/presentationml/2006/ole">
             <mc:AlternateContent xmlns:mc="http://schemas.openxmlformats.org/markup-compatibility/2006">
               <mc:Choice xmlns:v="urn:schemas-microsoft-com:vml" Requires="v">
-                <p:oleObj spid="_x0000_s6160" name="Equation" r:id="rId15" imgW="1587240" imgH="203040" progId="Equation.DSMT4">
+                <p:oleObj spid="_x0000_s6181" name="Equation" r:id="rId15" imgW="1587240" imgH="203040" progId="Equation.DSMT4">
                   <p:embed/>
                 </p:oleObj>
               </mc:Choice>
@@ -5093,7 +5095,7 @@
           <a:graphicData uri="http://schemas.openxmlformats.org/presentationml/2006/ole">
             <mc:AlternateContent xmlns:mc="http://schemas.openxmlformats.org/markup-compatibility/2006">
               <mc:Choice xmlns:v="urn:schemas-microsoft-com:vml" Requires="v">
-                <p:oleObj spid="_x0000_s5307" name="Equation" r:id="rId5" imgW="241200" imgH="203040" progId="Equation.DSMT4">
+                <p:oleObj spid="_x0000_s5391" name="Equation" r:id="rId5" imgW="241200" imgH="203040" progId="Equation.DSMT4">
                   <p:embed/>
                 </p:oleObj>
               </mc:Choice>
@@ -5156,7 +5158,7 @@
           <a:graphicData uri="http://schemas.openxmlformats.org/presentationml/2006/ole">
             <mc:AlternateContent xmlns:mc="http://schemas.openxmlformats.org/markup-compatibility/2006">
               <mc:Choice xmlns:v="urn:schemas-microsoft-com:vml" Requires="v">
-                <p:oleObj spid="_x0000_s5308" name="Equation" r:id="rId7" imgW="228600" imgH="190440" progId="Equation.DSMT4">
+                <p:oleObj spid="_x0000_s5392" name="Equation" r:id="rId7" imgW="228600" imgH="190440" progId="Equation.DSMT4">
                   <p:embed/>
                 </p:oleObj>
               </mc:Choice>
@@ -5344,7 +5346,7 @@
           <a:graphicData uri="http://schemas.openxmlformats.org/presentationml/2006/ole">
             <mc:AlternateContent xmlns:mc="http://schemas.openxmlformats.org/markup-compatibility/2006">
               <mc:Choice xmlns:v="urn:schemas-microsoft-com:vml" Requires="v">
-                <p:oleObj spid="_x0000_s5309" name="Equation" r:id="rId9" imgW="444240" imgH="177480" progId="Equation.DSMT4">
+                <p:oleObj spid="_x0000_s5393" name="Equation" r:id="rId9" imgW="444240" imgH="177480" progId="Equation.DSMT4">
                   <p:embed/>
                 </p:oleObj>
               </mc:Choice>
@@ -5407,7 +5409,7 @@
           <a:graphicData uri="http://schemas.openxmlformats.org/presentationml/2006/ole">
             <mc:AlternateContent xmlns:mc="http://schemas.openxmlformats.org/markup-compatibility/2006">
               <mc:Choice xmlns:v="urn:schemas-microsoft-com:vml" Requires="v">
-                <p:oleObj spid="_x0000_s5310" name="Equation" r:id="rId11" imgW="596880" imgH="203040" progId="Equation.DSMT4">
+                <p:oleObj spid="_x0000_s5394" name="Equation" r:id="rId11" imgW="596880" imgH="203040" progId="Equation.DSMT4">
                   <p:embed/>
                 </p:oleObj>
               </mc:Choice>
@@ -5728,7 +5730,7 @@
           <a:graphicData uri="http://schemas.openxmlformats.org/presentationml/2006/ole">
             <mc:AlternateContent xmlns:mc="http://schemas.openxmlformats.org/markup-compatibility/2006">
               <mc:Choice xmlns:v="urn:schemas-microsoft-com:vml" Requires="v">
-                <p:oleObj spid="_x0000_s5311" name="Equation" r:id="rId13" imgW="1155600" imgH="203040" progId="Equation.DSMT4">
+                <p:oleObj spid="_x0000_s5395" name="Equation" r:id="rId13" imgW="1155600" imgH="203040" progId="Equation.DSMT4">
                   <p:embed/>
                 </p:oleObj>
               </mc:Choice>
@@ -5791,7 +5793,7 @@
           <a:graphicData uri="http://schemas.openxmlformats.org/presentationml/2006/ole">
             <mc:AlternateContent xmlns:mc="http://schemas.openxmlformats.org/markup-compatibility/2006">
               <mc:Choice xmlns:v="urn:schemas-microsoft-com:vml" Requires="v">
-                <p:oleObj spid="_x0000_s5312" name="Equation" r:id="rId15" imgW="203040" imgH="203040" progId="Equation.DSMT4">
+                <p:oleObj spid="_x0000_s5396" name="Equation" r:id="rId15" imgW="203040" imgH="203040" progId="Equation.DSMT4">
                   <p:embed/>
                 </p:oleObj>
               </mc:Choice>
@@ -5854,7 +5856,7 @@
           <a:graphicData uri="http://schemas.openxmlformats.org/presentationml/2006/ole">
             <mc:AlternateContent xmlns:mc="http://schemas.openxmlformats.org/markup-compatibility/2006">
               <mc:Choice xmlns:v="urn:schemas-microsoft-com:vml" Requires="v">
-                <p:oleObj spid="_x0000_s5313" name="Equation" r:id="rId17" imgW="190440" imgH="190440" progId="Equation.DSMT4">
+                <p:oleObj spid="_x0000_s5397" name="Equation" r:id="rId17" imgW="190440" imgH="190440" progId="Equation.DSMT4">
                   <p:embed/>
                 </p:oleObj>
               </mc:Choice>
@@ -5917,7 +5919,7 @@
           <a:graphicData uri="http://schemas.openxmlformats.org/presentationml/2006/ole">
             <mc:AlternateContent xmlns:mc="http://schemas.openxmlformats.org/markup-compatibility/2006">
               <mc:Choice xmlns:v="urn:schemas-microsoft-com:vml" Requires="v">
-                <p:oleObj spid="_x0000_s5314" name="Equation" r:id="rId19" imgW="291960" imgH="241200" progId="Equation.DSMT4">
+                <p:oleObj spid="_x0000_s5398" name="Equation" r:id="rId19" imgW="291960" imgH="241200" progId="Equation.DSMT4">
                   <p:embed/>
                 </p:oleObj>
               </mc:Choice>
@@ -5980,7 +5982,7 @@
           <a:graphicData uri="http://schemas.openxmlformats.org/presentationml/2006/ole">
             <mc:AlternateContent xmlns:mc="http://schemas.openxmlformats.org/markup-compatibility/2006">
               <mc:Choice xmlns:v="urn:schemas-microsoft-com:vml" Requires="v">
-                <p:oleObj spid="_x0000_s5315" name="Equation" r:id="rId21" imgW="291960" imgH="241200" progId="Equation.DSMT4">
+                <p:oleObj spid="_x0000_s5399" name="Equation" r:id="rId21" imgW="291960" imgH="241200" progId="Equation.DSMT4">
                   <p:embed/>
                 </p:oleObj>
               </mc:Choice>
@@ -6043,7 +6045,7 @@
           <a:graphicData uri="http://schemas.openxmlformats.org/presentationml/2006/ole">
             <mc:AlternateContent xmlns:mc="http://schemas.openxmlformats.org/markup-compatibility/2006">
               <mc:Choice xmlns:v="urn:schemas-microsoft-com:vml" Requires="v">
-                <p:oleObj spid="_x0000_s5316" name="Equation" r:id="rId23" imgW="266400" imgH="241200" progId="Equation.DSMT4">
+                <p:oleObj spid="_x0000_s5400" name="Equation" r:id="rId23" imgW="266400" imgH="241200" progId="Equation.DSMT4">
                   <p:embed/>
                 </p:oleObj>
               </mc:Choice>
@@ -6106,7 +6108,7 @@
           <a:graphicData uri="http://schemas.openxmlformats.org/presentationml/2006/ole">
             <mc:AlternateContent xmlns:mc="http://schemas.openxmlformats.org/markup-compatibility/2006">
               <mc:Choice xmlns:v="urn:schemas-microsoft-com:vml" Requires="v">
-                <p:oleObj spid="_x0000_s5317" name="Equation" r:id="rId25" imgW="266400" imgH="241200" progId="Equation.DSMT4">
+                <p:oleObj spid="_x0000_s5401" name="Equation" r:id="rId25" imgW="266400" imgH="241200" progId="Equation.DSMT4">
                   <p:embed/>
                 </p:oleObj>
               </mc:Choice>
@@ -6169,7 +6171,7 @@
           <a:graphicData uri="http://schemas.openxmlformats.org/presentationml/2006/ole">
             <mc:AlternateContent xmlns:mc="http://schemas.openxmlformats.org/markup-compatibility/2006">
               <mc:Choice xmlns:v="urn:schemas-microsoft-com:vml" Requires="v">
-                <p:oleObj spid="_x0000_s5318" name="Equation" r:id="rId27" imgW="215640" imgH="241200" progId="Equation.DSMT4">
+                <p:oleObj spid="_x0000_s5402" name="Equation" r:id="rId27" imgW="215640" imgH="241200" progId="Equation.DSMT4">
                   <p:embed/>
                 </p:oleObj>
               </mc:Choice>
@@ -6232,7 +6234,7 @@
           <a:graphicData uri="http://schemas.openxmlformats.org/presentationml/2006/ole">
             <mc:AlternateContent xmlns:mc="http://schemas.openxmlformats.org/markup-compatibility/2006">
               <mc:Choice xmlns:v="urn:schemas-microsoft-com:vml" Requires="v">
-                <p:oleObj spid="_x0000_s5319" name="Equation" r:id="rId29" imgW="215640" imgH="241200" progId="Equation.DSMT4">
+                <p:oleObj spid="_x0000_s5403" name="Equation" r:id="rId29" imgW="215640" imgH="241200" progId="Equation.DSMT4">
                   <p:embed/>
                 </p:oleObj>
               </mc:Choice>
@@ -6382,7 +6384,7 @@
           <a:graphicData uri="http://schemas.openxmlformats.org/presentationml/2006/ole">
             <mc:AlternateContent xmlns:mc="http://schemas.openxmlformats.org/markup-compatibility/2006">
               <mc:Choice xmlns:v="urn:schemas-microsoft-com:vml" Requires="v">
-                <p:oleObj spid="_x0000_s5320" name="Equation" r:id="rId31" imgW="215640" imgH="253800" progId="Equation.DSMT4">
+                <p:oleObj spid="_x0000_s5404" name="Equation" r:id="rId31" imgW="215640" imgH="253800" progId="Equation.DSMT4">
                   <p:embed/>
                 </p:oleObj>
               </mc:Choice>
@@ -6490,7 +6492,7 @@
           <a:graphicData uri="http://schemas.openxmlformats.org/presentationml/2006/ole">
             <mc:AlternateContent xmlns:mc="http://schemas.openxmlformats.org/markup-compatibility/2006">
               <mc:Choice xmlns:v="urn:schemas-microsoft-com:vml" Requires="v">
-                <p:oleObj spid="_x0000_s5321" name="Equation" r:id="rId33" imgW="304560" imgH="241200" progId="Equation.DSMT4">
+                <p:oleObj spid="_x0000_s5405" name="Equation" r:id="rId33" imgW="304560" imgH="241200" progId="Equation.DSMT4">
                   <p:embed/>
                 </p:oleObj>
               </mc:Choice>
@@ -6816,7 +6818,7 @@
           <a:graphicData uri="http://schemas.openxmlformats.org/presentationml/2006/ole">
             <mc:AlternateContent xmlns:mc="http://schemas.openxmlformats.org/markup-compatibility/2006">
               <mc:Choice xmlns:v="urn:schemas-microsoft-com:vml" Requires="v">
-                <p:oleObj spid="_x0000_s5322" name="Equation" r:id="rId35" imgW="177480" imgH="241200" progId="Equation.DSMT4">
+                <p:oleObj spid="_x0000_s5406" name="Equation" r:id="rId35" imgW="177480" imgH="241200" progId="Equation.DSMT4">
                   <p:embed/>
                 </p:oleObj>
               </mc:Choice>
@@ -7401,7 +7403,7 @@
           <a:graphicData uri="http://schemas.openxmlformats.org/presentationml/2006/ole">
             <mc:AlternateContent xmlns:mc="http://schemas.openxmlformats.org/markup-compatibility/2006">
               <mc:Choice xmlns:v="urn:schemas-microsoft-com:vml" Requires="v">
-                <p:oleObj spid="_x0000_s5323" name="Equation" r:id="rId37" imgW="1015920" imgH="190440" progId="Equation.DSMT4">
+                <p:oleObj spid="_x0000_s5407" name="Equation" r:id="rId37" imgW="1015920" imgH="190440" progId="Equation.DSMT4">
                   <p:embed/>
                 </p:oleObj>
               </mc:Choice>
@@ -7464,7 +7466,7 @@
           <a:graphicData uri="http://schemas.openxmlformats.org/presentationml/2006/ole">
             <mc:AlternateContent xmlns:mc="http://schemas.openxmlformats.org/markup-compatibility/2006">
               <mc:Choice xmlns:v="urn:schemas-microsoft-com:vml" Requires="v">
-                <p:oleObj spid="_x0000_s5324" name="Equation" r:id="rId39" imgW="533160" imgH="253800" progId="Equation.DSMT4">
+                <p:oleObj spid="_x0000_s5408" name="Equation" r:id="rId39" imgW="533160" imgH="253800" progId="Equation.DSMT4">
                   <p:embed/>
                 </p:oleObj>
               </mc:Choice>
@@ -7527,7 +7529,7 @@
           <a:graphicData uri="http://schemas.openxmlformats.org/presentationml/2006/ole">
             <mc:AlternateContent xmlns:mc="http://schemas.openxmlformats.org/markup-compatibility/2006">
               <mc:Choice xmlns:v="urn:schemas-microsoft-com:vml" Requires="v">
-                <p:oleObj spid="_x0000_s5325" name="Equation" r:id="rId41" imgW="660240" imgH="253800" progId="Equation.DSMT4">
+                <p:oleObj spid="_x0000_s5409" name="Equation" r:id="rId41" imgW="660240" imgH="253800" progId="Equation.DSMT4">
                   <p:embed/>
                 </p:oleObj>
               </mc:Choice>
@@ -7590,7 +7592,7 @@
           <a:graphicData uri="http://schemas.openxmlformats.org/presentationml/2006/ole">
             <mc:AlternateContent xmlns:mc="http://schemas.openxmlformats.org/markup-compatibility/2006">
               <mc:Choice xmlns:v="urn:schemas-microsoft-com:vml" Requires="v">
-                <p:oleObj spid="_x0000_s5326" name="Equation" r:id="rId43" imgW="507960" imgH="253800" progId="Equation.DSMT4">
+                <p:oleObj spid="_x0000_s5410" name="Equation" r:id="rId43" imgW="507960" imgH="253800" progId="Equation.DSMT4">
                   <p:embed/>
                 </p:oleObj>
               </mc:Choice>
@@ -7710,7 +7712,7 @@
           <a:graphicData uri="http://schemas.openxmlformats.org/presentationml/2006/ole">
             <mc:AlternateContent xmlns:mc="http://schemas.openxmlformats.org/markup-compatibility/2006">
               <mc:Choice xmlns:v="urn:schemas-microsoft-com:vml" Requires="v">
-                <p:oleObj spid="_x0000_s5327" name="Equation" r:id="rId45" imgW="241200" imgH="190440" progId="Equation.DSMT4">
+                <p:oleObj spid="_x0000_s5411" name="Equation" r:id="rId45" imgW="241200" imgH="190440" progId="Equation.DSMT4">
                   <p:embed/>
                 </p:oleObj>
               </mc:Choice>
@@ -7817,7 +7819,7 @@
           <a:graphicData uri="http://schemas.openxmlformats.org/presentationml/2006/ole">
             <mc:AlternateContent xmlns:mc="http://schemas.openxmlformats.org/markup-compatibility/2006">
               <mc:Choice xmlns:v="urn:schemas-microsoft-com:vml" Requires="v">
-                <p:oleObj spid="_x0000_s5328" name="Equation" r:id="rId47" imgW="253800" imgH="241200" progId="Equation.DSMT4">
+                <p:oleObj spid="_x0000_s5412" name="Equation" r:id="rId47" imgW="253800" imgH="241200" progId="Equation.DSMT4">
                   <p:embed/>
                 </p:oleObj>
               </mc:Choice>
@@ -7937,7 +7939,7 @@
           <a:graphicData uri="http://schemas.openxmlformats.org/presentationml/2006/ole">
             <mc:AlternateContent xmlns:mc="http://schemas.openxmlformats.org/markup-compatibility/2006">
               <mc:Choice xmlns:v="urn:schemas-microsoft-com:vml" Requires="v">
-                <p:oleObj spid="_x0000_s5329" name="Equation" r:id="rId49" imgW="215640" imgH="190440" progId="Equation.DSMT4">
+                <p:oleObj spid="_x0000_s5413" name="Equation" r:id="rId49" imgW="215640" imgH="190440" progId="Equation.DSMT4">
                   <p:embed/>
                 </p:oleObj>
               </mc:Choice>
@@ -8144,7 +8146,7 @@
           <a:graphicData uri="http://schemas.openxmlformats.org/presentationml/2006/ole">
             <mc:AlternateContent xmlns:mc="http://schemas.openxmlformats.org/markup-compatibility/2006">
               <mc:Choice xmlns:v="urn:schemas-microsoft-com:vml" Requires="v">
-                <p:oleObj spid="_x0000_s5330" name="Equation" r:id="rId51" imgW="558720" imgH="190440" progId="Equation.DSMT4">
+                <p:oleObj spid="_x0000_s5414" name="Equation" r:id="rId51" imgW="558720" imgH="190440" progId="Equation.DSMT4">
                   <p:embed/>
                 </p:oleObj>
               </mc:Choice>
@@ -8295,7 +8297,7 @@
           <a:graphicData uri="http://schemas.openxmlformats.org/presentationml/2006/ole">
             <mc:AlternateContent xmlns:mc="http://schemas.openxmlformats.org/markup-compatibility/2006">
               <mc:Choice xmlns:v="urn:schemas-microsoft-com:vml" Requires="v">
-                <p:oleObj spid="_x0000_s5331" name="Equation" r:id="rId53" imgW="203040" imgH="241200" progId="Equation.DSMT4">
+                <p:oleObj spid="_x0000_s5415" name="Equation" r:id="rId53" imgW="203040" imgH="241200" progId="Equation.DSMT4">
                   <p:embed/>
                 </p:oleObj>
               </mc:Choice>
@@ -8358,7 +8360,7 @@
           <a:graphicData uri="http://schemas.openxmlformats.org/presentationml/2006/ole">
             <mc:AlternateContent xmlns:mc="http://schemas.openxmlformats.org/markup-compatibility/2006">
               <mc:Choice xmlns:v="urn:schemas-microsoft-com:vml" Requires="v">
-                <p:oleObj spid="_x0000_s5332" name="Equation" r:id="rId55" imgW="279360" imgH="241200" progId="Equation.DSMT4">
+                <p:oleObj spid="_x0000_s5416" name="Equation" r:id="rId55" imgW="279360" imgH="241200" progId="Equation.DSMT4">
                   <p:embed/>
                 </p:oleObj>
               </mc:Choice>
@@ -8421,7 +8423,7 @@
           <a:graphicData uri="http://schemas.openxmlformats.org/presentationml/2006/ole">
             <mc:AlternateContent xmlns:mc="http://schemas.openxmlformats.org/markup-compatibility/2006">
               <mc:Choice xmlns:v="urn:schemas-microsoft-com:vml" Requires="v">
-                <p:oleObj spid="_x0000_s5333" name="Equation" r:id="rId57" imgW="279360" imgH="241200" progId="Equation.DSMT4">
+                <p:oleObj spid="_x0000_s5417" name="Equation" r:id="rId57" imgW="279360" imgH="241200" progId="Equation.DSMT4">
                   <p:embed/>
                 </p:oleObj>
               </mc:Choice>
@@ -8628,7 +8630,7 @@
           <a:graphicData uri="http://schemas.openxmlformats.org/presentationml/2006/ole">
             <mc:AlternateContent xmlns:mc="http://schemas.openxmlformats.org/markup-compatibility/2006">
               <mc:Choice xmlns:v="urn:schemas-microsoft-com:vml" Requires="v">
-                <p:oleObj spid="_x0000_s5334" name="Equation" r:id="rId59" imgW="215640" imgH="228600" progId="Equation.DSMT4">
+                <p:oleObj spid="_x0000_s5418" name="Equation" r:id="rId59" imgW="215640" imgH="228600" progId="Equation.DSMT4">
                   <p:embed/>
                 </p:oleObj>
               </mc:Choice>
@@ -9022,7 +9024,7 @@
           <a:graphicData uri="http://schemas.openxmlformats.org/presentationml/2006/ole">
             <mc:AlternateContent xmlns:mc="http://schemas.openxmlformats.org/markup-compatibility/2006">
               <mc:Choice xmlns:v="urn:schemas-microsoft-com:vml" Requires="v">
-                <p:oleObj spid="_x0000_s4507" name="Equation" r:id="rId4" imgW="241200" imgH="203040" progId="Equation.DSMT4">
+                <p:oleObj spid="_x0000_s4561" name="Equation" r:id="rId4" imgW="241200" imgH="203040" progId="Equation.DSMT4">
                   <p:embed/>
                 </p:oleObj>
               </mc:Choice>
@@ -9091,7 +9093,7 @@
           <a:graphicData uri="http://schemas.openxmlformats.org/presentationml/2006/ole">
             <mc:AlternateContent xmlns:mc="http://schemas.openxmlformats.org/markup-compatibility/2006">
               <mc:Choice xmlns:v="urn:schemas-microsoft-com:vml" Requires="v">
-                <p:oleObj spid="_x0000_s4508" name="Equation" r:id="rId6" imgW="228600" imgH="190440" progId="Equation.DSMT4">
+                <p:oleObj spid="_x0000_s4562" name="Equation" r:id="rId6" imgW="228600" imgH="190440" progId="Equation.DSMT4">
                   <p:embed/>
                 </p:oleObj>
               </mc:Choice>
@@ -9249,7 +9251,7 @@
           <a:graphicData uri="http://schemas.openxmlformats.org/presentationml/2006/ole">
             <mc:AlternateContent xmlns:mc="http://schemas.openxmlformats.org/markup-compatibility/2006">
               <mc:Choice xmlns:v="urn:schemas-microsoft-com:vml" Requires="v">
-                <p:oleObj spid="_x0000_s4509" name="Equation" r:id="rId8" imgW="291960" imgH="241200" progId="Equation.DSMT4">
+                <p:oleObj spid="_x0000_s4563" name="Equation" r:id="rId8" imgW="291960" imgH="241200" progId="Equation.DSMT4">
                   <p:embed/>
                 </p:oleObj>
               </mc:Choice>
@@ -9407,7 +9409,7 @@
           <a:graphicData uri="http://schemas.openxmlformats.org/presentationml/2006/ole">
             <mc:AlternateContent xmlns:mc="http://schemas.openxmlformats.org/markup-compatibility/2006">
               <mc:Choice xmlns:v="urn:schemas-microsoft-com:vml" Requires="v">
-                <p:oleObj spid="_x0000_s4510" name="Equation" r:id="rId10" imgW="419040" imgH="241200" progId="Equation.DSMT4">
+                <p:oleObj spid="_x0000_s4564" name="Equation" r:id="rId10" imgW="419040" imgH="241200" progId="Equation.DSMT4">
                   <p:embed/>
                 </p:oleObj>
               </mc:Choice>
@@ -9476,7 +9478,7 @@
           <a:graphicData uri="http://schemas.openxmlformats.org/presentationml/2006/ole">
             <mc:AlternateContent xmlns:mc="http://schemas.openxmlformats.org/markup-compatibility/2006">
               <mc:Choice xmlns:v="urn:schemas-microsoft-com:vml" Requires="v">
-                <p:oleObj spid="_x0000_s4511" name="Equation" r:id="rId12" imgW="291960" imgH="241200" progId="Equation.DSMT4">
+                <p:oleObj spid="_x0000_s4565" name="Equation" r:id="rId12" imgW="291960" imgH="241200" progId="Equation.DSMT4">
                   <p:embed/>
                 </p:oleObj>
               </mc:Choice>
@@ -9545,7 +9547,7 @@
           <a:graphicData uri="http://schemas.openxmlformats.org/presentationml/2006/ole">
             <mc:AlternateContent xmlns:mc="http://schemas.openxmlformats.org/markup-compatibility/2006">
               <mc:Choice xmlns:v="urn:schemas-microsoft-com:vml" Requires="v">
-                <p:oleObj spid="_x0000_s4512" name="Equation" r:id="rId14" imgW="380880" imgH="241200" progId="Equation.DSMT4">
+                <p:oleObj spid="_x0000_s4566" name="Equation" r:id="rId14" imgW="380880" imgH="241200" progId="Equation.DSMT4">
                   <p:embed/>
                 </p:oleObj>
               </mc:Choice>
@@ -9827,7 +9829,7 @@
           <a:graphicData uri="http://schemas.openxmlformats.org/presentationml/2006/ole">
             <mc:AlternateContent xmlns:mc="http://schemas.openxmlformats.org/markup-compatibility/2006">
               <mc:Choice xmlns:v="urn:schemas-microsoft-com:vml" Requires="v">
-                <p:oleObj spid="_x0000_s4513" name="Equation" r:id="rId16" imgW="698400" imgH="241200" progId="Equation.DSMT4">
+                <p:oleObj spid="_x0000_s4567" name="Equation" r:id="rId16" imgW="698400" imgH="241200" progId="Equation.DSMT4">
                   <p:embed/>
                 </p:oleObj>
               </mc:Choice>
@@ -9890,7 +9892,7 @@
           <a:graphicData uri="http://schemas.openxmlformats.org/presentationml/2006/ole">
             <mc:AlternateContent xmlns:mc="http://schemas.openxmlformats.org/markup-compatibility/2006">
               <mc:Choice xmlns:v="urn:schemas-microsoft-com:vml" Requires="v">
-                <p:oleObj spid="_x0000_s4514" name="Equation" r:id="rId18" imgW="281975" imgH="236283" progId="Equation.DSMT4">
+                <p:oleObj spid="_x0000_s4568" name="Equation" r:id="rId18" imgW="281975" imgH="236283" progId="Equation.DSMT4">
                   <p:embed/>
                 </p:oleObj>
               </mc:Choice>
@@ -9953,7 +9955,7 @@
           <a:graphicData uri="http://schemas.openxmlformats.org/presentationml/2006/ole">
             <mc:AlternateContent xmlns:mc="http://schemas.openxmlformats.org/markup-compatibility/2006">
               <mc:Choice xmlns:v="urn:schemas-microsoft-com:vml" Requires="v">
-                <p:oleObj spid="_x0000_s4515" name="Equation" r:id="rId20" imgW="672840" imgH="241200" progId="Equation.DSMT4">
+                <p:oleObj spid="_x0000_s4569" name="Equation" r:id="rId20" imgW="672840" imgH="241200" progId="Equation.DSMT4">
                   <p:embed/>
                 </p:oleObj>
               </mc:Choice>
@@ -10104,7 +10106,7 @@
           <a:graphicData uri="http://schemas.openxmlformats.org/presentationml/2006/ole">
             <mc:AlternateContent xmlns:mc="http://schemas.openxmlformats.org/markup-compatibility/2006">
               <mc:Choice xmlns:v="urn:schemas-microsoft-com:vml" Requires="v">
-                <p:oleObj spid="_x0000_s4516" name="Equation" r:id="rId22" imgW="241200" imgH="203040" progId="Equation.DSMT4">
+                <p:oleObj spid="_x0000_s4570" name="Equation" r:id="rId22" imgW="241200" imgH="203040" progId="Equation.DSMT4">
                   <p:embed/>
                 </p:oleObj>
               </mc:Choice>
@@ -10173,7 +10175,7 @@
           <a:graphicData uri="http://schemas.openxmlformats.org/presentationml/2006/ole">
             <mc:AlternateContent xmlns:mc="http://schemas.openxmlformats.org/markup-compatibility/2006">
               <mc:Choice xmlns:v="urn:schemas-microsoft-com:vml" Requires="v">
-                <p:oleObj spid="_x0000_s4517" name="Equation" r:id="rId24" imgW="228600" imgH="190440" progId="Equation.DSMT4">
+                <p:oleObj spid="_x0000_s4571" name="Equation" r:id="rId24" imgW="228600" imgH="190440" progId="Equation.DSMT4">
                   <p:embed/>
                 </p:oleObj>
               </mc:Choice>
@@ -10299,7 +10301,7 @@
           <a:graphicData uri="http://schemas.openxmlformats.org/presentationml/2006/ole">
             <mc:AlternateContent xmlns:mc="http://schemas.openxmlformats.org/markup-compatibility/2006">
               <mc:Choice xmlns:v="urn:schemas-microsoft-com:vml" Requires="v">
-                <p:oleObj spid="_x0000_s4518" name="Equation" r:id="rId26" imgW="419040" imgH="228600" progId="Equation.DSMT4">
+                <p:oleObj spid="_x0000_s4572" name="Equation" r:id="rId26" imgW="419040" imgH="228600" progId="Equation.DSMT4">
                   <p:embed/>
                 </p:oleObj>
               </mc:Choice>
@@ -10412,7 +10414,7 @@
           <a:graphicData uri="http://schemas.openxmlformats.org/presentationml/2006/ole">
             <mc:AlternateContent xmlns:mc="http://schemas.openxmlformats.org/markup-compatibility/2006">
               <mc:Choice xmlns:v="urn:schemas-microsoft-com:vml" Requires="v">
-                <p:oleObj spid="_x0000_s4519" name="Equation" r:id="rId28" imgW="698400" imgH="228600" progId="Equation.DSMT4">
+                <p:oleObj spid="_x0000_s4573" name="Equation" r:id="rId28" imgW="698400" imgH="228600" progId="Equation.DSMT4">
                   <p:embed/>
                 </p:oleObj>
               </mc:Choice>
@@ -10524,7 +10526,7 @@
           <a:graphicData uri="http://schemas.openxmlformats.org/presentationml/2006/ole">
             <mc:AlternateContent xmlns:mc="http://schemas.openxmlformats.org/markup-compatibility/2006">
               <mc:Choice xmlns:v="urn:schemas-microsoft-com:vml" Requires="v">
-                <p:oleObj spid="_x0000_s4520" name="Equation" r:id="rId30" imgW="320253" imgH="259190" progId="Equation.DSMT4">
+                <p:oleObj spid="_x0000_s4574" name="Equation" r:id="rId30" imgW="320253" imgH="259190" progId="Equation.DSMT4">
                   <p:embed/>
                 </p:oleObj>
               </mc:Choice>
@@ -10705,7 +10707,7 @@
           <a:graphicData uri="http://schemas.openxmlformats.org/presentationml/2006/ole">
             <mc:AlternateContent xmlns:mc="http://schemas.openxmlformats.org/markup-compatibility/2006">
               <mc:Choice xmlns:v="urn:schemas-microsoft-com:vml" Requires="v">
-                <p:oleObj spid="_x0000_s4521" name="Equation" r:id="rId32" imgW="663046" imgH="236283" progId="Equation.DSMT4">
+                <p:oleObj spid="_x0000_s4575" name="Equation" r:id="rId32" imgW="663046" imgH="236283" progId="Equation.DSMT4">
                   <p:embed/>
                 </p:oleObj>
               </mc:Choice>
@@ -10832,7 +10834,7 @@
           <a:graphicData uri="http://schemas.openxmlformats.org/presentationml/2006/ole">
             <mc:AlternateContent xmlns:mc="http://schemas.openxmlformats.org/markup-compatibility/2006">
               <mc:Choice xmlns:v="urn:schemas-microsoft-com:vml" Requires="v">
-                <p:oleObj spid="_x0000_s4522" name="Equation" r:id="rId34" imgW="291960" imgH="203040" progId="Equation.DSMT4">
+                <p:oleObj spid="_x0000_s4576" name="Equation" r:id="rId34" imgW="291960" imgH="203040" progId="Equation.DSMT4">
                   <p:embed/>
                 </p:oleObj>
               </mc:Choice>
@@ -11047,7 +11049,7 @@
           <a:graphicData uri="http://schemas.openxmlformats.org/presentationml/2006/ole">
             <mc:AlternateContent xmlns:mc="http://schemas.openxmlformats.org/markup-compatibility/2006">
               <mc:Choice xmlns:v="urn:schemas-microsoft-com:vml" Requires="v">
-                <p:oleObj spid="_x0000_s4523" name="Equation" r:id="rId36" imgW="291960" imgH="203040" progId="Equation.DSMT4">
+                <p:oleObj spid="_x0000_s4577" name="Equation" r:id="rId36" imgW="291960" imgH="203040" progId="Equation.DSMT4">
                   <p:embed/>
                 </p:oleObj>
               </mc:Choice>
@@ -11311,7 +11313,7 @@
           <a:graphicData uri="http://schemas.openxmlformats.org/presentationml/2006/ole">
             <mc:AlternateContent xmlns:mc="http://schemas.openxmlformats.org/markup-compatibility/2006">
               <mc:Choice xmlns:v="urn:schemas-microsoft-com:vml" Requires="v">
-                <p:oleObj spid="_x0000_s4524" name="Equation" r:id="rId37" imgW="291960" imgH="203040" progId="Equation.DSMT4">
+                <p:oleObj spid="_x0000_s4578" name="Equation" r:id="rId37" imgW="291960" imgH="203040" progId="Equation.DSMT4">
                   <p:embed/>
                 </p:oleObj>
               </mc:Choice>
@@ -11356,6 +11358,564 @@
     <p:extLst>
       <p:ext uri="{BB962C8B-B14F-4D97-AF65-F5344CB8AC3E}">
         <p14:creationId xmlns:p14="http://schemas.microsoft.com/office/powerpoint/2010/main" val="4143170430"/>
+      </p:ext>
+    </p:extLst>
+  </p:cSld>
+  <p:clrMapOvr>
+    <a:masterClrMapping/>
+  </p:clrMapOvr>
+</p:sld>
+</file>
+
+<file path=ppt/slides/slide4.xml><?xml version="1.0" encoding="utf-8"?>
+<p:sld xmlns:a="http://schemas.openxmlformats.org/drawingml/2006/main" xmlns:r="http://schemas.openxmlformats.org/officeDocument/2006/relationships" xmlns:p="http://schemas.openxmlformats.org/presentationml/2006/main">
+  <p:cSld>
+    <p:spTree>
+      <p:nvGrpSpPr>
+        <p:cNvPr id="1" name=""/>
+        <p:cNvGrpSpPr/>
+        <p:nvPr/>
+      </p:nvGrpSpPr>
+      <p:grpSpPr>
+        <a:xfrm>
+          <a:off x="0" y="0"/>
+          <a:ext cx="0" cy="0"/>
+          <a:chOff x="0" y="0"/>
+          <a:chExt cx="0" cy="0"/>
+        </a:xfrm>
+      </p:grpSpPr>
+      <p:sp>
+        <p:nvSpPr>
+          <p:cNvPr id="5" name="矩形 4">
+            <a:extLst>
+              <a:ext uri="{FF2B5EF4-FFF2-40B4-BE49-F238E27FC236}">
+                <a16:creationId xmlns:a16="http://schemas.microsoft.com/office/drawing/2014/main" id="{535139B0-0D13-48E8-B536-E9E2E1DCF177}"/>
+              </a:ext>
+            </a:extLst>
+          </p:cNvPr>
+          <p:cNvSpPr/>
+          <p:nvPr/>
+        </p:nvSpPr>
+        <p:spPr>
+          <a:xfrm>
+            <a:off x="1452344" y="2303679"/>
+            <a:ext cx="797169" cy="398585"/>
+          </a:xfrm>
+          <a:prstGeom prst="rect">
+            <a:avLst/>
+          </a:prstGeom>
+          <a:solidFill>
+            <a:schemeClr val="bg1"/>
+          </a:solidFill>
+        </p:spPr>
+        <p:style>
+          <a:lnRef idx="2">
+            <a:schemeClr val="accent1">
+              <a:shade val="50000"/>
+            </a:schemeClr>
+          </a:lnRef>
+          <a:fillRef idx="1">
+            <a:schemeClr val="accent1"/>
+          </a:fillRef>
+          <a:effectRef idx="0">
+            <a:schemeClr val="accent1"/>
+          </a:effectRef>
+          <a:fontRef idx="minor">
+            <a:schemeClr val="lt1"/>
+          </a:fontRef>
+        </p:style>
+        <p:txBody>
+          <a:bodyPr rtlCol="0" anchor="ctr"/>
+          <a:lstStyle/>
+          <a:p>
+            <a:pPr algn="ctr"/>
+            <a:r>
+              <a:rPr lang="zh-CN" altLang="en-US" sz="800" dirty="0">
+                <a:solidFill>
+                  <a:schemeClr val="tx1"/>
+                </a:solidFill>
+                <a:latin typeface="宋体" panose="02010600030101010101" pitchFamily="2" charset="-122"/>
+                <a:ea typeface="宋体" panose="02010600030101010101" pitchFamily="2" charset="-122"/>
+              </a:rPr>
+              <a:t>高度</a:t>
+            </a:r>
+          </a:p>
+        </p:txBody>
+      </p:sp>
+      <p:sp>
+        <p:nvSpPr>
+          <p:cNvPr id="6" name="矩形 5">
+            <a:extLst>
+              <a:ext uri="{FF2B5EF4-FFF2-40B4-BE49-F238E27FC236}">
+                <a16:creationId xmlns:a16="http://schemas.microsoft.com/office/drawing/2014/main" id="{C9CC86C5-EEBE-4FF9-AD8F-F1E707BAF3DB}"/>
+              </a:ext>
+            </a:extLst>
+          </p:cNvPr>
+          <p:cNvSpPr/>
+          <p:nvPr/>
+        </p:nvSpPr>
+        <p:spPr>
+          <a:xfrm>
+            <a:off x="2565008" y="2665629"/>
+            <a:ext cx="797169" cy="398585"/>
+          </a:xfrm>
+          <a:prstGeom prst="rect">
+            <a:avLst/>
+          </a:prstGeom>
+          <a:solidFill>
+            <a:schemeClr val="bg1"/>
+          </a:solidFill>
+        </p:spPr>
+        <p:style>
+          <a:lnRef idx="2">
+            <a:schemeClr val="accent1">
+              <a:shade val="50000"/>
+            </a:schemeClr>
+          </a:lnRef>
+          <a:fillRef idx="1">
+            <a:schemeClr val="accent1"/>
+          </a:fillRef>
+          <a:effectRef idx="0">
+            <a:schemeClr val="accent1"/>
+          </a:effectRef>
+          <a:fontRef idx="minor">
+            <a:schemeClr val="lt1"/>
+          </a:fontRef>
+        </p:style>
+        <p:txBody>
+          <a:bodyPr rtlCol="0" anchor="ctr"/>
+          <a:lstStyle/>
+          <a:p>
+            <a:pPr algn="ctr"/>
+            <a:r>
+              <a:rPr lang="zh-CN" altLang="en-US" sz="800" dirty="0">
+                <a:solidFill>
+                  <a:schemeClr val="tx1"/>
+                </a:solidFill>
+                <a:latin typeface="宋体" panose="02010600030101010101" pitchFamily="2" charset="-122"/>
+                <a:ea typeface="宋体" panose="02010600030101010101" pitchFamily="2" charset="-122"/>
+              </a:rPr>
+              <a:t>速度</a:t>
+            </a:r>
+          </a:p>
+        </p:txBody>
+      </p:sp>
+      <p:sp>
+        <p:nvSpPr>
+          <p:cNvPr id="7" name="矩形 6">
+            <a:extLst>
+              <a:ext uri="{FF2B5EF4-FFF2-40B4-BE49-F238E27FC236}">
+                <a16:creationId xmlns:a16="http://schemas.microsoft.com/office/drawing/2014/main" id="{C3F3DEB4-9625-43CB-B860-95A8097E1D79}"/>
+              </a:ext>
+            </a:extLst>
+          </p:cNvPr>
+          <p:cNvSpPr/>
+          <p:nvPr/>
+        </p:nvSpPr>
+        <p:spPr>
+          <a:xfrm>
+            <a:off x="2565008" y="1941729"/>
+            <a:ext cx="797169" cy="398585"/>
+          </a:xfrm>
+          <a:prstGeom prst="rect">
+            <a:avLst/>
+          </a:prstGeom>
+          <a:solidFill>
+            <a:schemeClr val="bg1"/>
+          </a:solidFill>
+        </p:spPr>
+        <p:style>
+          <a:lnRef idx="2">
+            <a:schemeClr val="accent1">
+              <a:shade val="50000"/>
+            </a:schemeClr>
+          </a:lnRef>
+          <a:fillRef idx="1">
+            <a:schemeClr val="accent1"/>
+          </a:fillRef>
+          <a:effectRef idx="0">
+            <a:schemeClr val="accent1"/>
+          </a:effectRef>
+          <a:fontRef idx="minor">
+            <a:schemeClr val="lt1"/>
+          </a:fontRef>
+        </p:style>
+        <p:txBody>
+          <a:bodyPr rtlCol="0" anchor="ctr"/>
+          <a:lstStyle/>
+          <a:p>
+            <a:pPr algn="ctr"/>
+            <a:r>
+              <a:rPr lang="zh-CN" altLang="en-US" sz="800" dirty="0">
+                <a:solidFill>
+                  <a:schemeClr val="tx1"/>
+                </a:solidFill>
+                <a:latin typeface="宋体" panose="02010600030101010101" pitchFamily="2" charset="-122"/>
+                <a:ea typeface="宋体" panose="02010600030101010101" pitchFamily="2" charset="-122"/>
+              </a:rPr>
+              <a:t>俯仰角</a:t>
+            </a:r>
+          </a:p>
+        </p:txBody>
+      </p:sp>
+      <p:sp>
+        <p:nvSpPr>
+          <p:cNvPr id="8" name="矩形 7">
+            <a:extLst>
+              <a:ext uri="{FF2B5EF4-FFF2-40B4-BE49-F238E27FC236}">
+                <a16:creationId xmlns:a16="http://schemas.microsoft.com/office/drawing/2014/main" id="{7A305988-91A7-4C2C-A5E8-A25AB5421619}"/>
+              </a:ext>
+            </a:extLst>
+          </p:cNvPr>
+          <p:cNvSpPr/>
+          <p:nvPr/>
+        </p:nvSpPr>
+        <p:spPr>
+          <a:xfrm>
+            <a:off x="3677672" y="2665629"/>
+            <a:ext cx="797169" cy="398585"/>
+          </a:xfrm>
+          <a:prstGeom prst="rect">
+            <a:avLst/>
+          </a:prstGeom>
+          <a:solidFill>
+            <a:schemeClr val="bg1"/>
+          </a:solidFill>
+        </p:spPr>
+        <p:style>
+          <a:lnRef idx="2">
+            <a:schemeClr val="accent1">
+              <a:shade val="50000"/>
+            </a:schemeClr>
+          </a:lnRef>
+          <a:fillRef idx="1">
+            <a:schemeClr val="accent1"/>
+          </a:fillRef>
+          <a:effectRef idx="0">
+            <a:schemeClr val="accent1"/>
+          </a:effectRef>
+          <a:fontRef idx="minor">
+            <a:schemeClr val="lt1"/>
+          </a:fontRef>
+        </p:style>
+        <p:txBody>
+          <a:bodyPr rtlCol="0" anchor="ctr"/>
+          <a:lstStyle/>
+          <a:p>
+            <a:pPr algn="ctr"/>
+            <a:r>
+              <a:rPr lang="zh-CN" altLang="en-US" sz="800" dirty="0">
+                <a:solidFill>
+                  <a:schemeClr val="tx1"/>
+                </a:solidFill>
+                <a:latin typeface="宋体" panose="02010600030101010101" pitchFamily="2" charset="-122"/>
+                <a:ea typeface="宋体" panose="02010600030101010101" pitchFamily="2" charset="-122"/>
+              </a:rPr>
+              <a:t>推力</a:t>
+            </a:r>
+          </a:p>
+        </p:txBody>
+      </p:sp>
+      <p:cxnSp>
+        <p:nvCxnSpPr>
+          <p:cNvPr id="10" name="直接箭头连接符 9">
+            <a:extLst>
+              <a:ext uri="{FF2B5EF4-FFF2-40B4-BE49-F238E27FC236}">
+                <a16:creationId xmlns:a16="http://schemas.microsoft.com/office/drawing/2014/main" id="{DFE6D3C9-5C0B-4015-8537-2E37D4670B1E}"/>
+              </a:ext>
+            </a:extLst>
+          </p:cNvPr>
+          <p:cNvCxnSpPr>
+            <a:stCxn id="8" idx="1"/>
+            <a:endCxn id="6" idx="3"/>
+          </p:cNvCxnSpPr>
+          <p:nvPr/>
+        </p:nvCxnSpPr>
+        <p:spPr>
+          <a:xfrm flipH="1">
+            <a:off x="3362177" y="2864922"/>
+            <a:ext cx="315495" cy="0"/>
+          </a:xfrm>
+          <a:prstGeom prst="straightConnector1">
+            <a:avLst/>
+          </a:prstGeom>
+          <a:ln>
+            <a:tailEnd type="triangle"/>
+          </a:ln>
+        </p:spPr>
+        <p:style>
+          <a:lnRef idx="1">
+            <a:schemeClr val="accent1"/>
+          </a:lnRef>
+          <a:fillRef idx="0">
+            <a:schemeClr val="accent1"/>
+          </a:fillRef>
+          <a:effectRef idx="0">
+            <a:schemeClr val="accent1"/>
+          </a:effectRef>
+          <a:fontRef idx="minor">
+            <a:schemeClr val="tx1"/>
+          </a:fontRef>
+        </p:style>
+      </p:cxnSp>
+      <p:cxnSp>
+        <p:nvCxnSpPr>
+          <p:cNvPr id="16" name="连接符: 肘形 15">
+            <a:extLst>
+              <a:ext uri="{FF2B5EF4-FFF2-40B4-BE49-F238E27FC236}">
+                <a16:creationId xmlns:a16="http://schemas.microsoft.com/office/drawing/2014/main" id="{FD118849-837B-40C2-95E3-725C2FA973CF}"/>
+              </a:ext>
+            </a:extLst>
+          </p:cNvPr>
+          <p:cNvCxnSpPr>
+            <a:cxnSpLocks/>
+          </p:cNvCxnSpPr>
+          <p:nvPr/>
+        </p:nvCxnSpPr>
+        <p:spPr>
+          <a:xfrm rot="10800000">
+            <a:off x="2249513" y="2502971"/>
+            <a:ext cx="315495" cy="361950"/>
+          </a:xfrm>
+          <a:prstGeom prst="bentConnector3">
+            <a:avLst>
+              <a:gd name="adj1" fmla="val 50000"/>
+            </a:avLst>
+          </a:prstGeom>
+          <a:ln>
+            <a:tailEnd type="triangle"/>
+          </a:ln>
+        </p:spPr>
+        <p:style>
+          <a:lnRef idx="1">
+            <a:schemeClr val="accent1"/>
+          </a:lnRef>
+          <a:fillRef idx="0">
+            <a:schemeClr val="accent1"/>
+          </a:fillRef>
+          <a:effectRef idx="0">
+            <a:schemeClr val="accent1"/>
+          </a:effectRef>
+          <a:fontRef idx="minor">
+            <a:schemeClr val="tx1"/>
+          </a:fontRef>
+        </p:style>
+      </p:cxnSp>
+      <p:cxnSp>
+        <p:nvCxnSpPr>
+          <p:cNvPr id="21" name="连接符: 肘形 20">
+            <a:extLst>
+              <a:ext uri="{FF2B5EF4-FFF2-40B4-BE49-F238E27FC236}">
+                <a16:creationId xmlns:a16="http://schemas.microsoft.com/office/drawing/2014/main" id="{A423A2E8-BC54-4B9A-9781-38E379FCBD93}"/>
+              </a:ext>
+            </a:extLst>
+          </p:cNvPr>
+          <p:cNvCxnSpPr>
+            <a:stCxn id="7" idx="1"/>
+            <a:endCxn id="5" idx="3"/>
+          </p:cNvCxnSpPr>
+          <p:nvPr/>
+        </p:nvCxnSpPr>
+        <p:spPr>
+          <a:xfrm rot="10800000" flipV="1">
+            <a:off x="2249514" y="2141022"/>
+            <a:ext cx="315495" cy="361950"/>
+          </a:xfrm>
+          <a:prstGeom prst="bentConnector3">
+            <a:avLst/>
+          </a:prstGeom>
+          <a:ln>
+            <a:tailEnd type="triangle"/>
+          </a:ln>
+        </p:spPr>
+        <p:style>
+          <a:lnRef idx="1">
+            <a:schemeClr val="accent1"/>
+          </a:lnRef>
+          <a:fillRef idx="0">
+            <a:schemeClr val="accent1"/>
+          </a:fillRef>
+          <a:effectRef idx="0">
+            <a:schemeClr val="accent1"/>
+          </a:effectRef>
+          <a:fontRef idx="minor">
+            <a:schemeClr val="tx1"/>
+          </a:fontRef>
+        </p:style>
+      </p:cxnSp>
+      <p:cxnSp>
+        <p:nvCxnSpPr>
+          <p:cNvPr id="24" name="直接箭头连接符 23">
+            <a:extLst>
+              <a:ext uri="{FF2B5EF4-FFF2-40B4-BE49-F238E27FC236}">
+                <a16:creationId xmlns:a16="http://schemas.microsoft.com/office/drawing/2014/main" id="{342F2F5C-2754-42D2-AA10-35AB31F5DC2D}"/>
+              </a:ext>
+            </a:extLst>
+          </p:cNvPr>
+          <p:cNvCxnSpPr>
+            <a:stCxn id="7" idx="2"/>
+            <a:endCxn id="6" idx="0"/>
+          </p:cNvCxnSpPr>
+          <p:nvPr/>
+        </p:nvCxnSpPr>
+        <p:spPr>
+          <a:xfrm>
+            <a:off x="2963593" y="2340314"/>
+            <a:ext cx="0" cy="325315"/>
+          </a:xfrm>
+          <a:prstGeom prst="straightConnector1">
+            <a:avLst/>
+          </a:prstGeom>
+          <a:ln>
+            <a:tailEnd type="triangle"/>
+          </a:ln>
+        </p:spPr>
+        <p:style>
+          <a:lnRef idx="1">
+            <a:schemeClr val="accent1"/>
+          </a:lnRef>
+          <a:fillRef idx="0">
+            <a:schemeClr val="accent1"/>
+          </a:fillRef>
+          <a:effectRef idx="0">
+            <a:schemeClr val="accent1"/>
+          </a:effectRef>
+          <a:fontRef idx="minor">
+            <a:schemeClr val="tx1"/>
+          </a:fontRef>
+        </p:style>
+      </p:cxnSp>
+      <p:sp>
+        <p:nvSpPr>
+          <p:cNvPr id="25" name="矩形 24">
+            <a:extLst>
+              <a:ext uri="{FF2B5EF4-FFF2-40B4-BE49-F238E27FC236}">
+                <a16:creationId xmlns:a16="http://schemas.microsoft.com/office/drawing/2014/main" id="{9CC05079-0C8A-42EB-B20B-A15940E88B63}"/>
+              </a:ext>
+            </a:extLst>
+          </p:cNvPr>
+          <p:cNvSpPr/>
+          <p:nvPr/>
+        </p:nvSpPr>
+        <p:spPr>
+          <a:xfrm>
+            <a:off x="3677672" y="1941729"/>
+            <a:ext cx="797169" cy="398585"/>
+          </a:xfrm>
+          <a:prstGeom prst="rect">
+            <a:avLst/>
+          </a:prstGeom>
+          <a:solidFill>
+            <a:schemeClr val="bg1"/>
+          </a:solidFill>
+        </p:spPr>
+        <p:style>
+          <a:lnRef idx="2">
+            <a:schemeClr val="accent1">
+              <a:shade val="50000"/>
+            </a:schemeClr>
+          </a:lnRef>
+          <a:fillRef idx="1">
+            <a:schemeClr val="accent1"/>
+          </a:fillRef>
+          <a:effectRef idx="0">
+            <a:schemeClr val="accent1"/>
+          </a:effectRef>
+          <a:fontRef idx="minor">
+            <a:schemeClr val="lt1"/>
+          </a:fontRef>
+        </p:style>
+        <p:txBody>
+          <a:bodyPr rtlCol="0" anchor="ctr"/>
+          <a:lstStyle/>
+          <a:p>
+            <a:pPr algn="ctr"/>
+            <a:r>
+              <a:rPr lang="zh-CN" altLang="en-US" sz="800" dirty="0">
+                <a:solidFill>
+                  <a:schemeClr val="tx1"/>
+                </a:solidFill>
+                <a:latin typeface="宋体" panose="02010600030101010101" pitchFamily="2" charset="-122"/>
+                <a:ea typeface="宋体" panose="02010600030101010101" pitchFamily="2" charset="-122"/>
+              </a:rPr>
+              <a:t>升降舵</a:t>
+            </a:r>
+          </a:p>
+        </p:txBody>
+      </p:sp>
+      <p:cxnSp>
+        <p:nvCxnSpPr>
+          <p:cNvPr id="26" name="直接箭头连接符 25">
+            <a:extLst>
+              <a:ext uri="{FF2B5EF4-FFF2-40B4-BE49-F238E27FC236}">
+                <a16:creationId xmlns:a16="http://schemas.microsoft.com/office/drawing/2014/main" id="{34ED9EB8-00AE-4A17-A38C-DDBCB03BFD1B}"/>
+              </a:ext>
+            </a:extLst>
+          </p:cNvPr>
+          <p:cNvCxnSpPr/>
+          <p:nvPr/>
+        </p:nvCxnSpPr>
+        <p:spPr>
+          <a:xfrm flipH="1">
+            <a:off x="3362177" y="2140823"/>
+            <a:ext cx="315495" cy="0"/>
+          </a:xfrm>
+          <a:prstGeom prst="straightConnector1">
+            <a:avLst/>
+          </a:prstGeom>
+          <a:ln>
+            <a:tailEnd type="triangle"/>
+          </a:ln>
+        </p:spPr>
+        <p:style>
+          <a:lnRef idx="1">
+            <a:schemeClr val="accent1"/>
+          </a:lnRef>
+          <a:fillRef idx="0">
+            <a:schemeClr val="accent1"/>
+          </a:fillRef>
+          <a:effectRef idx="0">
+            <a:schemeClr val="accent1"/>
+          </a:effectRef>
+          <a:fontRef idx="minor">
+            <a:schemeClr val="tx1"/>
+          </a:fontRef>
+        </p:style>
+      </p:cxnSp>
+    </p:spTree>
+    <p:extLst>
+      <p:ext uri="{BB962C8B-B14F-4D97-AF65-F5344CB8AC3E}">
+        <p14:creationId xmlns:p14="http://schemas.microsoft.com/office/powerpoint/2010/main" val="1277163034"/>
+      </p:ext>
+    </p:extLst>
+  </p:cSld>
+  <p:clrMapOvr>
+    <a:masterClrMapping/>
+  </p:clrMapOvr>
+</p:sld>
+</file>
+
+<file path=ppt/slides/slide5.xml><?xml version="1.0" encoding="utf-8"?>
+<p:sld xmlns:a="http://schemas.openxmlformats.org/drawingml/2006/main" xmlns:r="http://schemas.openxmlformats.org/officeDocument/2006/relationships" xmlns:p="http://schemas.openxmlformats.org/presentationml/2006/main">
+  <p:cSld>
+    <p:spTree>
+      <p:nvGrpSpPr>
+        <p:cNvPr id="1" name=""/>
+        <p:cNvGrpSpPr/>
+        <p:nvPr/>
+      </p:nvGrpSpPr>
+      <p:grpSpPr>
+        <a:xfrm>
+          <a:off x="0" y="0"/>
+          <a:ext cx="0" cy="0"/>
+          <a:chOff x="0" y="0"/>
+          <a:chExt cx="0" cy="0"/>
+        </a:xfrm>
+      </p:grpSpPr>
+    </p:spTree>
+    <p:extLst>
+      <p:ext uri="{BB962C8B-B14F-4D97-AF65-F5344CB8AC3E}">
+        <p14:creationId xmlns:p14="http://schemas.microsoft.com/office/powerpoint/2010/main" val="4076548010"/>
       </p:ext>
     </p:extLst>
   </p:cSld>
